--- a/rxjs.pptx
+++ b/rxjs.pptx
@@ -2,8 +2,12 @@
 <file path=ppt/presentation.xml><?xml version="1.0" encoding="utf-8"?>
 <p:presentation xmlns:a="http://schemas.openxmlformats.org/drawingml/2006/main" xmlns:r="http://schemas.openxmlformats.org/officeDocument/2006/relationships" xmlns:p="http://schemas.openxmlformats.org/presentationml/2006/main" saveSubsetFonts="1">
   <p:sldMasterIdLst>
-    <p:sldMasterId id="2147483648" r:id="rId1"/>
+    <p:sldMasterId id="2147483738" r:id="rId1"/>
   </p:sldMasterIdLst>
+  <p:sldIdLst>
+    <p:sldId id="257" r:id="rId2"/>
+    <p:sldId id="258" r:id="rId3"/>
+  </p:sldIdLst>
   <p:sldSz cx="12192000" cy="6858000"/>
   <p:notesSz cx="6858000" cy="9144000"/>
   <p:defaultTextStyle>
@@ -101,6 +105,11 @@
       </a:defRPr>
     </a:lvl9pPr>
   </p:defaultTextStyle>
+  <p:extLst>
+    <p:ext uri="{EFAFB233-063F-42B5-8137-9DF3F51BA10A}">
+      <p15:sldGuideLst xmlns:p15="http://schemas.microsoft.com/office/powerpoint/2012/main"/>
+    </p:ext>
+  </p:extLst>
 </p:presentation>
 </file>
 
@@ -235,7 +244,7 @@
           <a:p>
             <a:fld id="{AF9726F5-5A52-46C7-9DBB-7376F0227F18}" type="datetimeFigureOut">
               <a:rPr lang="pt-BR" smtClean="0"/>
-              <a:t>04/02/2020</a:t>
+              <a:t>07/02/2020</a:t>
             </a:fld>
             <a:endParaRPr lang="pt-BR"/>
           </a:p>
@@ -286,13 +295,25 @@
     </p:spTree>
     <p:extLst>
       <p:ext uri="{BB962C8B-B14F-4D97-AF65-F5344CB8AC3E}">
-        <p14:creationId xmlns:p14="http://schemas.microsoft.com/office/powerpoint/2010/main" val="3832001413"/>
+        <p14:creationId xmlns:p14="http://schemas.microsoft.com/office/powerpoint/2010/main" val="1155941927"/>
       </p:ext>
     </p:extLst>
   </p:cSld>
   <p:clrMapOvr>
     <a:masterClrMapping/>
   </p:clrMapOvr>
+  <mc:AlternateContent xmlns:mc="http://schemas.openxmlformats.org/markup-compatibility/2006">
+    <mc:Choice xmlns:p14="http://schemas.microsoft.com/office/powerpoint/2010/main" Requires="p14">
+      <p:transition spd="slow" p14:dur="2000">
+        <p:cover/>
+      </p:transition>
+    </mc:Choice>
+    <mc:Fallback>
+      <p:transition spd="slow">
+        <p:cover/>
+      </p:transition>
+    </mc:Fallback>
+  </mc:AlternateContent>
 </p:sldLayout>
 </file>
 
@@ -405,7 +426,7 @@
           <a:p>
             <a:fld id="{AF9726F5-5A52-46C7-9DBB-7376F0227F18}" type="datetimeFigureOut">
               <a:rPr lang="pt-BR" smtClean="0"/>
-              <a:t>04/02/2020</a:t>
+              <a:t>07/02/2020</a:t>
             </a:fld>
             <a:endParaRPr lang="pt-BR"/>
           </a:p>
@@ -456,13 +477,25 @@
     </p:spTree>
     <p:extLst>
       <p:ext uri="{BB962C8B-B14F-4D97-AF65-F5344CB8AC3E}">
-        <p14:creationId xmlns:p14="http://schemas.microsoft.com/office/powerpoint/2010/main" val="1164506456"/>
+        <p14:creationId xmlns:p14="http://schemas.microsoft.com/office/powerpoint/2010/main" val="3425456078"/>
       </p:ext>
     </p:extLst>
   </p:cSld>
   <p:clrMapOvr>
     <a:masterClrMapping/>
   </p:clrMapOvr>
+  <mc:AlternateContent xmlns:mc="http://schemas.openxmlformats.org/markup-compatibility/2006">
+    <mc:Choice xmlns:p14="http://schemas.microsoft.com/office/powerpoint/2010/main" Requires="p14">
+      <p:transition spd="slow" p14:dur="2000">
+        <p:cover/>
+      </p:transition>
+    </mc:Choice>
+    <mc:Fallback>
+      <p:transition spd="slow">
+        <p:cover/>
+      </p:transition>
+    </mc:Fallback>
+  </mc:AlternateContent>
 </p:sldLayout>
 </file>
 
@@ -585,7 +618,7 @@
           <a:p>
             <a:fld id="{AF9726F5-5A52-46C7-9DBB-7376F0227F18}" type="datetimeFigureOut">
               <a:rPr lang="pt-BR" smtClean="0"/>
-              <a:t>04/02/2020</a:t>
+              <a:t>07/02/2020</a:t>
             </a:fld>
             <a:endParaRPr lang="pt-BR"/>
           </a:p>
@@ -636,13 +669,25 @@
     </p:spTree>
     <p:extLst>
       <p:ext uri="{BB962C8B-B14F-4D97-AF65-F5344CB8AC3E}">
-        <p14:creationId xmlns:p14="http://schemas.microsoft.com/office/powerpoint/2010/main" val="1331713022"/>
+        <p14:creationId xmlns:p14="http://schemas.microsoft.com/office/powerpoint/2010/main" val="3266050684"/>
       </p:ext>
     </p:extLst>
   </p:cSld>
   <p:clrMapOvr>
     <a:masterClrMapping/>
   </p:clrMapOvr>
+  <mc:AlternateContent xmlns:mc="http://schemas.openxmlformats.org/markup-compatibility/2006">
+    <mc:Choice xmlns:p14="http://schemas.microsoft.com/office/powerpoint/2010/main" Requires="p14">
+      <p:transition spd="slow" p14:dur="2000">
+        <p:cover/>
+      </p:transition>
+    </mc:Choice>
+    <mc:Fallback>
+      <p:transition spd="slow">
+        <p:cover/>
+      </p:transition>
+    </mc:Fallback>
+  </mc:AlternateContent>
 </p:sldLayout>
 </file>
 
@@ -755,7 +800,7 @@
           <a:p>
             <a:fld id="{AF9726F5-5A52-46C7-9DBB-7376F0227F18}" type="datetimeFigureOut">
               <a:rPr lang="pt-BR" smtClean="0"/>
-              <a:t>04/02/2020</a:t>
+              <a:t>07/02/2020</a:t>
             </a:fld>
             <a:endParaRPr lang="pt-BR"/>
           </a:p>
@@ -806,13 +851,25 @@
     </p:spTree>
     <p:extLst>
       <p:ext uri="{BB962C8B-B14F-4D97-AF65-F5344CB8AC3E}">
-        <p14:creationId xmlns:p14="http://schemas.microsoft.com/office/powerpoint/2010/main" val="1295190457"/>
+        <p14:creationId xmlns:p14="http://schemas.microsoft.com/office/powerpoint/2010/main" val="2678535166"/>
       </p:ext>
     </p:extLst>
   </p:cSld>
   <p:clrMapOvr>
     <a:masterClrMapping/>
   </p:clrMapOvr>
+  <mc:AlternateContent xmlns:mc="http://schemas.openxmlformats.org/markup-compatibility/2006">
+    <mc:Choice xmlns:p14="http://schemas.microsoft.com/office/powerpoint/2010/main" Requires="p14">
+      <p:transition spd="slow" p14:dur="2000">
+        <p:cover/>
+      </p:transition>
+    </mc:Choice>
+    <mc:Fallback>
+      <p:transition spd="slow">
+        <p:cover/>
+      </p:transition>
+    </mc:Fallback>
+  </mc:AlternateContent>
 </p:sldLayout>
 </file>
 
@@ -1001,7 +1058,7 @@
           <a:p>
             <a:fld id="{AF9726F5-5A52-46C7-9DBB-7376F0227F18}" type="datetimeFigureOut">
               <a:rPr lang="pt-BR" smtClean="0"/>
-              <a:t>04/02/2020</a:t>
+              <a:t>07/02/2020</a:t>
             </a:fld>
             <a:endParaRPr lang="pt-BR"/>
           </a:p>
@@ -1052,13 +1109,25 @@
     </p:spTree>
     <p:extLst>
       <p:ext uri="{BB962C8B-B14F-4D97-AF65-F5344CB8AC3E}">
-        <p14:creationId xmlns:p14="http://schemas.microsoft.com/office/powerpoint/2010/main" val="3925236002"/>
+        <p14:creationId xmlns:p14="http://schemas.microsoft.com/office/powerpoint/2010/main" val="1046838561"/>
       </p:ext>
     </p:extLst>
   </p:cSld>
   <p:clrMapOvr>
     <a:masterClrMapping/>
   </p:clrMapOvr>
+  <mc:AlternateContent xmlns:mc="http://schemas.openxmlformats.org/markup-compatibility/2006">
+    <mc:Choice xmlns:p14="http://schemas.microsoft.com/office/powerpoint/2010/main" Requires="p14">
+      <p:transition spd="slow" p14:dur="2000">
+        <p:cover/>
+      </p:transition>
+    </mc:Choice>
+    <mc:Fallback>
+      <p:transition spd="slow">
+        <p:cover/>
+      </p:transition>
+    </mc:Fallback>
+  </mc:AlternateContent>
 </p:sldLayout>
 </file>
 
@@ -1233,7 +1302,7 @@
           <a:p>
             <a:fld id="{AF9726F5-5A52-46C7-9DBB-7376F0227F18}" type="datetimeFigureOut">
               <a:rPr lang="pt-BR" smtClean="0"/>
-              <a:t>04/02/2020</a:t>
+              <a:t>07/02/2020</a:t>
             </a:fld>
             <a:endParaRPr lang="pt-BR"/>
           </a:p>
@@ -1284,13 +1353,25 @@
     </p:spTree>
     <p:extLst>
       <p:ext uri="{BB962C8B-B14F-4D97-AF65-F5344CB8AC3E}">
-        <p14:creationId xmlns:p14="http://schemas.microsoft.com/office/powerpoint/2010/main" val="3224232201"/>
+        <p14:creationId xmlns:p14="http://schemas.microsoft.com/office/powerpoint/2010/main" val="2811116155"/>
       </p:ext>
     </p:extLst>
   </p:cSld>
   <p:clrMapOvr>
     <a:masterClrMapping/>
   </p:clrMapOvr>
+  <mc:AlternateContent xmlns:mc="http://schemas.openxmlformats.org/markup-compatibility/2006">
+    <mc:Choice xmlns:p14="http://schemas.microsoft.com/office/powerpoint/2010/main" Requires="p14">
+      <p:transition spd="slow" p14:dur="2000">
+        <p:cover/>
+      </p:transition>
+    </mc:Choice>
+    <mc:Fallback>
+      <p:transition spd="slow">
+        <p:cover/>
+      </p:transition>
+    </mc:Fallback>
+  </mc:AlternateContent>
 </p:sldLayout>
 </file>
 
@@ -1600,7 +1681,7 @@
           <a:p>
             <a:fld id="{AF9726F5-5A52-46C7-9DBB-7376F0227F18}" type="datetimeFigureOut">
               <a:rPr lang="pt-BR" smtClean="0"/>
-              <a:t>04/02/2020</a:t>
+              <a:t>07/02/2020</a:t>
             </a:fld>
             <a:endParaRPr lang="pt-BR"/>
           </a:p>
@@ -1651,13 +1732,25 @@
     </p:spTree>
     <p:extLst>
       <p:ext uri="{BB962C8B-B14F-4D97-AF65-F5344CB8AC3E}">
-        <p14:creationId xmlns:p14="http://schemas.microsoft.com/office/powerpoint/2010/main" val="78838268"/>
+        <p14:creationId xmlns:p14="http://schemas.microsoft.com/office/powerpoint/2010/main" val="3214398082"/>
       </p:ext>
     </p:extLst>
   </p:cSld>
   <p:clrMapOvr>
     <a:masterClrMapping/>
   </p:clrMapOvr>
+  <mc:AlternateContent xmlns:mc="http://schemas.openxmlformats.org/markup-compatibility/2006">
+    <mc:Choice xmlns:p14="http://schemas.microsoft.com/office/powerpoint/2010/main" Requires="p14">
+      <p:transition spd="slow" p14:dur="2000">
+        <p:cover/>
+      </p:transition>
+    </mc:Choice>
+    <mc:Fallback>
+      <p:transition spd="slow">
+        <p:cover/>
+      </p:transition>
+    </mc:Fallback>
+  </mc:AlternateContent>
 </p:sldLayout>
 </file>
 
@@ -1718,7 +1811,7 @@
           <a:p>
             <a:fld id="{AF9726F5-5A52-46C7-9DBB-7376F0227F18}" type="datetimeFigureOut">
               <a:rPr lang="pt-BR" smtClean="0"/>
-              <a:t>04/02/2020</a:t>
+              <a:t>07/02/2020</a:t>
             </a:fld>
             <a:endParaRPr lang="pt-BR"/>
           </a:p>
@@ -1769,13 +1862,25 @@
     </p:spTree>
     <p:extLst>
       <p:ext uri="{BB962C8B-B14F-4D97-AF65-F5344CB8AC3E}">
-        <p14:creationId xmlns:p14="http://schemas.microsoft.com/office/powerpoint/2010/main" val="2011987813"/>
+        <p14:creationId xmlns:p14="http://schemas.microsoft.com/office/powerpoint/2010/main" val="2559148079"/>
       </p:ext>
     </p:extLst>
   </p:cSld>
   <p:clrMapOvr>
     <a:masterClrMapping/>
   </p:clrMapOvr>
+  <mc:AlternateContent xmlns:mc="http://schemas.openxmlformats.org/markup-compatibility/2006">
+    <mc:Choice xmlns:p14="http://schemas.microsoft.com/office/powerpoint/2010/main" Requires="p14">
+      <p:transition spd="slow" p14:dur="2000">
+        <p:cover/>
+      </p:transition>
+    </mc:Choice>
+    <mc:Fallback>
+      <p:transition spd="slow">
+        <p:cover/>
+      </p:transition>
+    </mc:Fallback>
+  </mc:AlternateContent>
 </p:sldLayout>
 </file>
 
@@ -1813,7 +1918,7 @@
           <a:p>
             <a:fld id="{AF9726F5-5A52-46C7-9DBB-7376F0227F18}" type="datetimeFigureOut">
               <a:rPr lang="pt-BR" smtClean="0"/>
-              <a:t>04/02/2020</a:t>
+              <a:t>07/02/2020</a:t>
             </a:fld>
             <a:endParaRPr lang="pt-BR"/>
           </a:p>
@@ -1864,13 +1969,25 @@
     </p:spTree>
     <p:extLst>
       <p:ext uri="{BB962C8B-B14F-4D97-AF65-F5344CB8AC3E}">
-        <p14:creationId xmlns:p14="http://schemas.microsoft.com/office/powerpoint/2010/main" val="488955713"/>
+        <p14:creationId xmlns:p14="http://schemas.microsoft.com/office/powerpoint/2010/main" val="2183179692"/>
       </p:ext>
     </p:extLst>
   </p:cSld>
   <p:clrMapOvr>
     <a:masterClrMapping/>
   </p:clrMapOvr>
+  <mc:AlternateContent xmlns:mc="http://schemas.openxmlformats.org/markup-compatibility/2006">
+    <mc:Choice xmlns:p14="http://schemas.microsoft.com/office/powerpoint/2010/main" Requires="p14">
+      <p:transition spd="slow" p14:dur="2000">
+        <p:cover/>
+      </p:transition>
+    </mc:Choice>
+    <mc:Fallback>
+      <p:transition spd="slow">
+        <p:cover/>
+      </p:transition>
+    </mc:Fallback>
+  </mc:AlternateContent>
 </p:sldLayout>
 </file>
 
@@ -2090,7 +2207,7 @@
           <a:p>
             <a:fld id="{AF9726F5-5A52-46C7-9DBB-7376F0227F18}" type="datetimeFigureOut">
               <a:rPr lang="pt-BR" smtClean="0"/>
-              <a:t>04/02/2020</a:t>
+              <a:t>07/02/2020</a:t>
             </a:fld>
             <a:endParaRPr lang="pt-BR"/>
           </a:p>
@@ -2141,13 +2258,25 @@
     </p:spTree>
     <p:extLst>
       <p:ext uri="{BB962C8B-B14F-4D97-AF65-F5344CB8AC3E}">
-        <p14:creationId xmlns:p14="http://schemas.microsoft.com/office/powerpoint/2010/main" val="2878525786"/>
+        <p14:creationId xmlns:p14="http://schemas.microsoft.com/office/powerpoint/2010/main" val="3427968861"/>
       </p:ext>
     </p:extLst>
   </p:cSld>
   <p:clrMapOvr>
     <a:masterClrMapping/>
   </p:clrMapOvr>
+  <mc:AlternateContent xmlns:mc="http://schemas.openxmlformats.org/markup-compatibility/2006">
+    <mc:Choice xmlns:p14="http://schemas.microsoft.com/office/powerpoint/2010/main" Requires="p14">
+      <p:transition spd="slow" p14:dur="2000">
+        <p:cover/>
+      </p:transition>
+    </mc:Choice>
+    <mc:Fallback>
+      <p:transition spd="slow">
+        <p:cover/>
+      </p:transition>
+    </mc:Fallback>
+  </mc:AlternateContent>
 </p:sldLayout>
 </file>
 
@@ -2343,7 +2472,7 @@
           <a:p>
             <a:fld id="{AF9726F5-5A52-46C7-9DBB-7376F0227F18}" type="datetimeFigureOut">
               <a:rPr lang="pt-BR" smtClean="0"/>
-              <a:t>04/02/2020</a:t>
+              <a:t>07/02/2020</a:t>
             </a:fld>
             <a:endParaRPr lang="pt-BR"/>
           </a:p>
@@ -2394,13 +2523,25 @@
     </p:spTree>
     <p:extLst>
       <p:ext uri="{BB962C8B-B14F-4D97-AF65-F5344CB8AC3E}">
-        <p14:creationId xmlns:p14="http://schemas.microsoft.com/office/powerpoint/2010/main" val="102488843"/>
+        <p14:creationId xmlns:p14="http://schemas.microsoft.com/office/powerpoint/2010/main" val="294766113"/>
       </p:ext>
     </p:extLst>
   </p:cSld>
   <p:clrMapOvr>
     <a:masterClrMapping/>
   </p:clrMapOvr>
+  <mc:AlternateContent xmlns:mc="http://schemas.openxmlformats.org/markup-compatibility/2006">
+    <mc:Choice xmlns:p14="http://schemas.microsoft.com/office/powerpoint/2010/main" Requires="p14">
+      <p:transition spd="slow" p14:dur="2000">
+        <p:cover/>
+      </p:transition>
+    </mc:Choice>
+    <mc:Fallback>
+      <p:transition spd="slow">
+        <p:cover/>
+      </p:transition>
+    </mc:Fallback>
+  </mc:AlternateContent>
 </p:sldLayout>
 </file>
 
@@ -2556,7 +2697,7 @@
           <a:p>
             <a:fld id="{AF9726F5-5A52-46C7-9DBB-7376F0227F18}" type="datetimeFigureOut">
               <a:rPr lang="pt-BR" smtClean="0"/>
-              <a:t>04/02/2020</a:t>
+              <a:t>07/02/2020</a:t>
             </a:fld>
             <a:endParaRPr lang="pt-BR"/>
           </a:p>
@@ -2643,24 +2784,36 @@
     </p:spTree>
     <p:extLst>
       <p:ext uri="{BB962C8B-B14F-4D97-AF65-F5344CB8AC3E}">
-        <p14:creationId xmlns:p14="http://schemas.microsoft.com/office/powerpoint/2010/main" val="4278657008"/>
+        <p14:creationId xmlns:p14="http://schemas.microsoft.com/office/powerpoint/2010/main" val="599720191"/>
       </p:ext>
     </p:extLst>
   </p:cSld>
   <p:clrMap bg1="lt1" tx1="dk1" bg2="lt2" tx2="dk2" accent1="accent1" accent2="accent2" accent3="accent3" accent4="accent4" accent5="accent5" accent6="accent6" hlink="hlink" folHlink="folHlink"/>
   <p:sldLayoutIdLst>
-    <p:sldLayoutId id="2147483649" r:id="rId1"/>
-    <p:sldLayoutId id="2147483650" r:id="rId2"/>
-    <p:sldLayoutId id="2147483651" r:id="rId3"/>
-    <p:sldLayoutId id="2147483652" r:id="rId4"/>
-    <p:sldLayoutId id="2147483653" r:id="rId5"/>
-    <p:sldLayoutId id="2147483654" r:id="rId6"/>
-    <p:sldLayoutId id="2147483655" r:id="rId7"/>
-    <p:sldLayoutId id="2147483656" r:id="rId8"/>
-    <p:sldLayoutId id="2147483657" r:id="rId9"/>
-    <p:sldLayoutId id="2147483658" r:id="rId10"/>
-    <p:sldLayoutId id="2147483659" r:id="rId11"/>
+    <p:sldLayoutId id="2147483739" r:id="rId1"/>
+    <p:sldLayoutId id="2147483740" r:id="rId2"/>
+    <p:sldLayoutId id="2147483741" r:id="rId3"/>
+    <p:sldLayoutId id="2147483742" r:id="rId4"/>
+    <p:sldLayoutId id="2147483743" r:id="rId5"/>
+    <p:sldLayoutId id="2147483744" r:id="rId6"/>
+    <p:sldLayoutId id="2147483745" r:id="rId7"/>
+    <p:sldLayoutId id="2147483746" r:id="rId8"/>
+    <p:sldLayoutId id="2147483747" r:id="rId9"/>
+    <p:sldLayoutId id="2147483748" r:id="rId10"/>
+    <p:sldLayoutId id="2147483749" r:id="rId11"/>
   </p:sldLayoutIdLst>
+  <mc:AlternateContent xmlns:mc="http://schemas.openxmlformats.org/markup-compatibility/2006">
+    <mc:Choice xmlns:p14="http://schemas.microsoft.com/office/powerpoint/2010/main" Requires="p14">
+      <p:transition spd="slow" p14:dur="2000">
+        <p:cover/>
+      </p:transition>
+    </mc:Choice>
+    <mc:Fallback>
+      <p:transition spd="slow">
+        <p:cover/>
+      </p:transition>
+    </mc:Fallback>
+  </mc:AlternateContent>
   <p:txStyles>
     <p:titleStyle>
       <a:lvl1pPr algn="l" defTabSz="914400" rtl="0" eaLnBrk="1" latinLnBrk="0" hangingPunct="1">
@@ -2944,6 +3097,913 @@
 </p:sldMaster>
 </file>
 
+<file path=ppt/slides/slide1.xml><?xml version="1.0" encoding="utf-8"?>
+<p:sld xmlns:a="http://schemas.openxmlformats.org/drawingml/2006/main" xmlns:r="http://schemas.openxmlformats.org/officeDocument/2006/relationships" xmlns:p="http://schemas.openxmlformats.org/presentationml/2006/main">
+  <p:cSld>
+    <p:bg>
+      <p:bgPr>
+        <a:solidFill>
+          <a:schemeClr val="tx1">
+            <a:lumMod val="65000"/>
+            <a:lumOff val="35000"/>
+          </a:schemeClr>
+        </a:solidFill>
+        <a:effectLst/>
+      </p:bgPr>
+    </p:bg>
+    <p:spTree>
+      <p:nvGrpSpPr>
+        <p:cNvPr id="1" name=""/>
+        <p:cNvGrpSpPr/>
+        <p:nvPr/>
+      </p:nvGrpSpPr>
+      <p:grpSpPr>
+        <a:xfrm>
+          <a:off x="0" y="0"/>
+          <a:ext cx="0" cy="0"/>
+          <a:chOff x="0" y="0"/>
+          <a:chExt cx="0" cy="0"/>
+        </a:xfrm>
+      </p:grpSpPr>
+      <p:cxnSp>
+        <p:nvCxnSpPr>
+          <p:cNvPr id="21" name="Conector reto 20"/>
+          <p:cNvCxnSpPr/>
+          <p:nvPr/>
+        </p:nvCxnSpPr>
+        <p:spPr>
+          <a:xfrm flipV="1">
+            <a:off x="2351315" y="1509486"/>
+            <a:ext cx="6705599" cy="29028"/>
+          </a:xfrm>
+          <a:prstGeom prst="line">
+            <a:avLst/>
+          </a:prstGeom>
+          <a:ln>
+            <a:solidFill>
+              <a:schemeClr val="tx2">
+                <a:lumMod val="20000"/>
+                <a:lumOff val="80000"/>
+              </a:schemeClr>
+            </a:solidFill>
+            <a:headEnd type="none" w="med" len="med"/>
+            <a:tailEnd type="arrow" w="med" len="med"/>
+          </a:ln>
+        </p:spPr>
+        <p:style>
+          <a:lnRef idx="3">
+            <a:schemeClr val="accent1"/>
+          </a:lnRef>
+          <a:fillRef idx="0">
+            <a:schemeClr val="accent1"/>
+          </a:fillRef>
+          <a:effectRef idx="2">
+            <a:schemeClr val="accent1"/>
+          </a:effectRef>
+          <a:fontRef idx="minor">
+            <a:schemeClr val="tx1"/>
+          </a:fontRef>
+        </p:style>
+      </p:cxnSp>
+      <p:sp>
+        <p:nvSpPr>
+          <p:cNvPr id="23" name="Fluxograma: Conector 22"/>
+          <p:cNvSpPr/>
+          <p:nvPr/>
+        </p:nvSpPr>
+        <p:spPr>
+          <a:xfrm>
+            <a:off x="3338286" y="1001486"/>
+            <a:ext cx="957943" cy="1016000"/>
+          </a:xfrm>
+          <a:prstGeom prst="flowChartConnector">
+            <a:avLst/>
+          </a:prstGeom>
+          <a:solidFill>
+            <a:srgbClr val="7030A0"/>
+          </a:solidFill>
+        </p:spPr>
+        <p:style>
+          <a:lnRef idx="0">
+            <a:schemeClr val="accent5"/>
+          </a:lnRef>
+          <a:fillRef idx="1002">
+            <a:schemeClr val="lt1"/>
+          </a:fillRef>
+          <a:effectRef idx="3">
+            <a:schemeClr val="accent5"/>
+          </a:effectRef>
+          <a:fontRef idx="minor">
+            <a:schemeClr val="lt1"/>
+          </a:fontRef>
+        </p:style>
+        <p:txBody>
+          <a:bodyPr rtlCol="0" anchor="ctr"/>
+          <a:lstStyle/>
+          <a:p>
+            <a:pPr algn="ctr"/>
+            <a:r>
+              <a:rPr lang="pt-BR" dirty="0" smtClean="0"/>
+              <a:t>Data</a:t>
+            </a:r>
+            <a:endParaRPr lang="pt-BR" dirty="0"/>
+          </a:p>
+        </p:txBody>
+      </p:sp>
+      <p:cxnSp>
+        <p:nvCxnSpPr>
+          <p:cNvPr id="24" name="Conector reto 23"/>
+          <p:cNvCxnSpPr/>
+          <p:nvPr/>
+        </p:nvCxnSpPr>
+        <p:spPr>
+          <a:xfrm flipV="1">
+            <a:off x="2351315" y="5319485"/>
+            <a:ext cx="6705599" cy="29028"/>
+          </a:xfrm>
+          <a:prstGeom prst="line">
+            <a:avLst/>
+          </a:prstGeom>
+          <a:ln>
+            <a:solidFill>
+              <a:schemeClr val="tx2">
+                <a:lumMod val="20000"/>
+                <a:lumOff val="80000"/>
+              </a:schemeClr>
+            </a:solidFill>
+            <a:headEnd type="none" w="med" len="med"/>
+            <a:tailEnd type="arrow" w="med" len="med"/>
+          </a:ln>
+        </p:spPr>
+        <p:style>
+          <a:lnRef idx="3">
+            <a:schemeClr val="accent1"/>
+          </a:lnRef>
+          <a:fillRef idx="0">
+            <a:schemeClr val="accent1"/>
+          </a:fillRef>
+          <a:effectRef idx="2">
+            <a:schemeClr val="accent1"/>
+          </a:effectRef>
+          <a:fontRef idx="minor">
+            <a:schemeClr val="tx1"/>
+          </a:fontRef>
+        </p:style>
+      </p:cxnSp>
+      <p:sp>
+        <p:nvSpPr>
+          <p:cNvPr id="27" name="Fluxograma: Conector 26"/>
+          <p:cNvSpPr/>
+          <p:nvPr/>
+        </p:nvSpPr>
+        <p:spPr>
+          <a:xfrm>
+            <a:off x="3338285" y="4840513"/>
+            <a:ext cx="957943" cy="1016000"/>
+          </a:xfrm>
+          <a:prstGeom prst="flowChartConnector">
+            <a:avLst/>
+          </a:prstGeom>
+          <a:solidFill>
+            <a:srgbClr val="7030A0"/>
+          </a:solidFill>
+        </p:spPr>
+        <p:style>
+          <a:lnRef idx="0">
+            <a:schemeClr val="accent5"/>
+          </a:lnRef>
+          <a:fillRef idx="1002">
+            <a:schemeClr val="lt1"/>
+          </a:fillRef>
+          <a:effectRef idx="3">
+            <a:schemeClr val="accent5"/>
+          </a:effectRef>
+          <a:fontRef idx="minor">
+            <a:schemeClr val="lt1"/>
+          </a:fontRef>
+        </p:style>
+        <p:txBody>
+          <a:bodyPr rtlCol="0" anchor="ctr"/>
+          <a:lstStyle/>
+          <a:p>
+            <a:pPr algn="ctr"/>
+            <a:r>
+              <a:rPr lang="pt-BR" sz="1600" dirty="0" err="1" smtClean="0">
+                <a:latin typeface="Arial Narrow" panose="020B0606020202030204" pitchFamily="34" charset="0"/>
+              </a:rPr>
+              <a:t>name</a:t>
+            </a:r>
+            <a:endParaRPr lang="pt-BR" sz="1600" dirty="0">
+              <a:latin typeface="Arial Narrow" panose="020B0606020202030204" pitchFamily="34" charset="0"/>
+            </a:endParaRPr>
+          </a:p>
+        </p:txBody>
+      </p:sp>
+    </p:spTree>
+    <p:extLst>
+      <p:ext uri="{BB962C8B-B14F-4D97-AF65-F5344CB8AC3E}">
+        <p14:creationId xmlns:p14="http://schemas.microsoft.com/office/powerpoint/2010/main" val="2570563862"/>
+      </p:ext>
+    </p:extLst>
+  </p:cSld>
+  <p:clrMapOvr>
+    <a:masterClrMapping/>
+  </p:clrMapOvr>
+  <mc:AlternateContent xmlns:mc="http://schemas.openxmlformats.org/markup-compatibility/2006">
+    <mc:Choice xmlns:p14="http://schemas.microsoft.com/office/powerpoint/2010/main" Requires="p14">
+      <p:transition spd="slow" p14:dur="2000">
+        <p:cover/>
+      </p:transition>
+    </mc:Choice>
+    <mc:Fallback>
+      <p:transition spd="slow">
+        <p:cover/>
+      </p:transition>
+    </mc:Fallback>
+  </mc:AlternateContent>
+  <p:timing>
+    <p:tnLst>
+      <p:par>
+        <p:cTn id="1" dur="indefinite" restart="never" nodeType="tmRoot">
+          <p:childTnLst>
+            <p:seq concurrent="1" nextAc="seek">
+              <p:cTn id="2" dur="indefinite" nodeType="mainSeq">
+                <p:childTnLst>
+                  <p:par>
+                    <p:cTn id="3" fill="hold">
+                      <p:stCondLst>
+                        <p:cond delay="indefinite"/>
+                      </p:stCondLst>
+                      <p:childTnLst>
+                        <p:par>
+                          <p:cTn id="4" fill="hold">
+                            <p:stCondLst>
+                              <p:cond delay="0"/>
+                            </p:stCondLst>
+                            <p:childTnLst>
+                              <p:par>
+                                <p:cTn id="5" presetID="16" presetClass="entr" presetSubtype="21" fill="hold" grpId="0" nodeType="clickEffect">
+                                  <p:stCondLst>
+                                    <p:cond delay="0"/>
+                                  </p:stCondLst>
+                                  <p:childTnLst>
+                                    <p:set>
+                                      <p:cBhvr>
+                                        <p:cTn id="6" dur="1" fill="hold">
+                                          <p:stCondLst>
+                                            <p:cond delay="0"/>
+                                          </p:stCondLst>
+                                        </p:cTn>
+                                        <p:tgtEl>
+                                          <p:spTgt spid="23"/>
+                                        </p:tgtEl>
+                                        <p:attrNameLst>
+                                          <p:attrName>style.visibility</p:attrName>
+                                        </p:attrNameLst>
+                                      </p:cBhvr>
+                                      <p:to>
+                                        <p:strVal val="visible"/>
+                                      </p:to>
+                                    </p:set>
+                                    <p:animEffect transition="in" filter="barn(inVertical)">
+                                      <p:cBhvr>
+                                        <p:cTn id="7" dur="500"/>
+                                        <p:tgtEl>
+                                          <p:spTgt spid="23"/>
+                                        </p:tgtEl>
+                                      </p:cBhvr>
+                                    </p:animEffect>
+                                  </p:childTnLst>
+                                </p:cTn>
+                              </p:par>
+                            </p:childTnLst>
+                          </p:cTn>
+                        </p:par>
+                      </p:childTnLst>
+                    </p:cTn>
+                  </p:par>
+                  <p:par>
+                    <p:cTn id="8" fill="hold">
+                      <p:stCondLst>
+                        <p:cond delay="indefinite"/>
+                      </p:stCondLst>
+                      <p:childTnLst>
+                        <p:par>
+                          <p:cTn id="9" fill="hold">
+                            <p:stCondLst>
+                              <p:cond delay="0"/>
+                            </p:stCondLst>
+                            <p:childTnLst>
+                              <p:par>
+                                <p:cTn id="10" presetID="53" presetClass="entr" presetSubtype="16" fill="hold" grpId="0" nodeType="clickEffect">
+                                  <p:stCondLst>
+                                    <p:cond delay="0"/>
+                                  </p:stCondLst>
+                                  <p:childTnLst>
+                                    <p:set>
+                                      <p:cBhvr>
+                                        <p:cTn id="11" dur="1" fill="hold">
+                                          <p:stCondLst>
+                                            <p:cond delay="0"/>
+                                          </p:stCondLst>
+                                        </p:cTn>
+                                        <p:tgtEl>
+                                          <p:spTgt spid="27"/>
+                                        </p:tgtEl>
+                                        <p:attrNameLst>
+                                          <p:attrName>style.visibility</p:attrName>
+                                        </p:attrNameLst>
+                                      </p:cBhvr>
+                                      <p:to>
+                                        <p:strVal val="visible"/>
+                                      </p:to>
+                                    </p:set>
+                                    <p:anim calcmode="lin" valueType="num">
+                                      <p:cBhvr>
+                                        <p:cTn id="12" dur="500" fill="hold"/>
+                                        <p:tgtEl>
+                                          <p:spTgt spid="27"/>
+                                        </p:tgtEl>
+                                        <p:attrNameLst>
+                                          <p:attrName>ppt_w</p:attrName>
+                                        </p:attrNameLst>
+                                      </p:cBhvr>
+                                      <p:tavLst>
+                                        <p:tav tm="0">
+                                          <p:val>
+                                            <p:fltVal val="0"/>
+                                          </p:val>
+                                        </p:tav>
+                                        <p:tav tm="100000">
+                                          <p:val>
+                                            <p:strVal val="#ppt_w"/>
+                                          </p:val>
+                                        </p:tav>
+                                      </p:tavLst>
+                                    </p:anim>
+                                    <p:anim calcmode="lin" valueType="num">
+                                      <p:cBhvr>
+                                        <p:cTn id="13" dur="500" fill="hold"/>
+                                        <p:tgtEl>
+                                          <p:spTgt spid="27"/>
+                                        </p:tgtEl>
+                                        <p:attrNameLst>
+                                          <p:attrName>ppt_h</p:attrName>
+                                        </p:attrNameLst>
+                                      </p:cBhvr>
+                                      <p:tavLst>
+                                        <p:tav tm="0">
+                                          <p:val>
+                                            <p:fltVal val="0"/>
+                                          </p:val>
+                                        </p:tav>
+                                        <p:tav tm="100000">
+                                          <p:val>
+                                            <p:strVal val="#ppt_h"/>
+                                          </p:val>
+                                        </p:tav>
+                                      </p:tavLst>
+                                    </p:anim>
+                                    <p:animEffect transition="in" filter="fade">
+                                      <p:cBhvr>
+                                        <p:cTn id="14" dur="500"/>
+                                        <p:tgtEl>
+                                          <p:spTgt spid="27"/>
+                                        </p:tgtEl>
+                                      </p:cBhvr>
+                                    </p:animEffect>
+                                  </p:childTnLst>
+                                </p:cTn>
+                              </p:par>
+                            </p:childTnLst>
+                          </p:cTn>
+                        </p:par>
+                      </p:childTnLst>
+                    </p:cTn>
+                  </p:par>
+                </p:childTnLst>
+              </p:cTn>
+              <p:prevCondLst>
+                <p:cond evt="onPrev" delay="0">
+                  <p:tgtEl>
+                    <p:sldTgt/>
+                  </p:tgtEl>
+                </p:cond>
+              </p:prevCondLst>
+              <p:nextCondLst>
+                <p:cond evt="onNext" delay="0">
+                  <p:tgtEl>
+                    <p:sldTgt/>
+                  </p:tgtEl>
+                </p:cond>
+              </p:nextCondLst>
+            </p:seq>
+          </p:childTnLst>
+        </p:cTn>
+      </p:par>
+    </p:tnLst>
+    <p:bldLst>
+      <p:bldP spid="23" grpId="0" animBg="1"/>
+      <p:bldP spid="27" grpId="0" animBg="1"/>
+    </p:bldLst>
+  </p:timing>
+</p:sld>
+</file>
+
+<file path=ppt/slides/slide2.xml><?xml version="1.0" encoding="utf-8"?>
+<p:sld xmlns:a="http://schemas.openxmlformats.org/drawingml/2006/main" xmlns:r="http://schemas.openxmlformats.org/officeDocument/2006/relationships" xmlns:p="http://schemas.openxmlformats.org/presentationml/2006/main">
+  <p:cSld>
+    <p:spTree>
+      <p:nvGrpSpPr>
+        <p:cNvPr id="1" name=""/>
+        <p:cNvGrpSpPr/>
+        <p:nvPr/>
+      </p:nvGrpSpPr>
+      <p:grpSpPr>
+        <a:xfrm>
+          <a:off x="0" y="0"/>
+          <a:ext cx="0" cy="0"/>
+          <a:chOff x="0" y="0"/>
+          <a:chExt cx="0" cy="0"/>
+        </a:xfrm>
+      </p:grpSpPr>
+      <p:sp>
+        <p:nvSpPr>
+          <p:cNvPr id="4" name="Fluxograma: Conector 3"/>
+          <p:cNvSpPr/>
+          <p:nvPr/>
+        </p:nvSpPr>
+        <p:spPr>
+          <a:xfrm>
+            <a:off x="3354776" y="1943596"/>
+            <a:ext cx="700644" cy="617516"/>
+          </a:xfrm>
+          <a:prstGeom prst="flowChartConnector">
+            <a:avLst/>
+          </a:prstGeom>
+        </p:spPr>
+        <p:style>
+          <a:lnRef idx="2">
+            <a:schemeClr val="accent1">
+              <a:shade val="50000"/>
+            </a:schemeClr>
+          </a:lnRef>
+          <a:fillRef idx="1">
+            <a:schemeClr val="accent1"/>
+          </a:fillRef>
+          <a:effectRef idx="0">
+            <a:schemeClr val="accent1"/>
+          </a:effectRef>
+          <a:fontRef idx="minor">
+            <a:schemeClr val="lt1"/>
+          </a:fontRef>
+        </p:style>
+        <p:txBody>
+          <a:bodyPr rtlCol="0" anchor="ctr"/>
+          <a:lstStyle/>
+          <a:p>
+            <a:pPr algn="ctr"/>
+            <a:endParaRPr lang="pt-BR"/>
+          </a:p>
+        </p:txBody>
+      </p:sp>
+      <p:sp>
+        <p:nvSpPr>
+          <p:cNvPr id="7" name="Fluxograma: Conector 6"/>
+          <p:cNvSpPr/>
+          <p:nvPr/>
+        </p:nvSpPr>
+        <p:spPr>
+          <a:xfrm>
+            <a:off x="4570019" y="1943596"/>
+            <a:ext cx="700644" cy="617516"/>
+          </a:xfrm>
+          <a:prstGeom prst="flowChartConnector">
+            <a:avLst/>
+          </a:prstGeom>
+        </p:spPr>
+        <p:style>
+          <a:lnRef idx="2">
+            <a:schemeClr val="accent1">
+              <a:shade val="50000"/>
+            </a:schemeClr>
+          </a:lnRef>
+          <a:fillRef idx="1">
+            <a:schemeClr val="accent1"/>
+          </a:fillRef>
+          <a:effectRef idx="0">
+            <a:schemeClr val="accent1"/>
+          </a:effectRef>
+          <a:fontRef idx="minor">
+            <a:schemeClr val="lt1"/>
+          </a:fontRef>
+        </p:style>
+        <p:txBody>
+          <a:bodyPr rtlCol="0" anchor="ctr"/>
+          <a:lstStyle/>
+          <a:p>
+            <a:pPr algn="ctr"/>
+            <a:endParaRPr lang="pt-BR"/>
+          </a:p>
+        </p:txBody>
+      </p:sp>
+      <p:sp>
+        <p:nvSpPr>
+          <p:cNvPr id="8" name="Fluxograma: Conector 7"/>
+          <p:cNvSpPr/>
+          <p:nvPr/>
+        </p:nvSpPr>
+        <p:spPr>
+          <a:xfrm>
+            <a:off x="6135584" y="1945575"/>
+            <a:ext cx="700644" cy="617516"/>
+          </a:xfrm>
+          <a:prstGeom prst="flowChartConnector">
+            <a:avLst/>
+          </a:prstGeom>
+        </p:spPr>
+        <p:style>
+          <a:lnRef idx="2">
+            <a:schemeClr val="accent1">
+              <a:shade val="50000"/>
+            </a:schemeClr>
+          </a:lnRef>
+          <a:fillRef idx="1">
+            <a:schemeClr val="accent1"/>
+          </a:fillRef>
+          <a:effectRef idx="0">
+            <a:schemeClr val="accent1"/>
+          </a:effectRef>
+          <a:fontRef idx="minor">
+            <a:schemeClr val="lt1"/>
+          </a:fontRef>
+        </p:style>
+        <p:txBody>
+          <a:bodyPr rtlCol="0" anchor="ctr"/>
+          <a:lstStyle/>
+          <a:p>
+            <a:pPr algn="ctr"/>
+            <a:endParaRPr lang="pt-BR"/>
+          </a:p>
+        </p:txBody>
+      </p:sp>
+      <p:sp>
+        <p:nvSpPr>
+          <p:cNvPr id="9" name="Fluxograma: Conector 8"/>
+          <p:cNvSpPr/>
+          <p:nvPr/>
+        </p:nvSpPr>
+        <p:spPr>
+          <a:xfrm>
+            <a:off x="7831775" y="1945575"/>
+            <a:ext cx="700644" cy="617516"/>
+          </a:xfrm>
+          <a:prstGeom prst="flowChartConnector">
+            <a:avLst/>
+          </a:prstGeom>
+        </p:spPr>
+        <p:style>
+          <a:lnRef idx="2">
+            <a:schemeClr val="accent1">
+              <a:shade val="50000"/>
+            </a:schemeClr>
+          </a:lnRef>
+          <a:fillRef idx="1">
+            <a:schemeClr val="accent1"/>
+          </a:fillRef>
+          <a:effectRef idx="0">
+            <a:schemeClr val="accent1"/>
+          </a:effectRef>
+          <a:fontRef idx="minor">
+            <a:schemeClr val="lt1"/>
+          </a:fontRef>
+        </p:style>
+        <p:txBody>
+          <a:bodyPr rtlCol="0" anchor="ctr"/>
+          <a:lstStyle/>
+          <a:p>
+            <a:pPr algn="ctr"/>
+            <a:endParaRPr lang="pt-BR"/>
+          </a:p>
+        </p:txBody>
+      </p:sp>
+      <p:cxnSp>
+        <p:nvCxnSpPr>
+          <p:cNvPr id="11" name="Conector reto 10"/>
+          <p:cNvCxnSpPr/>
+          <p:nvPr/>
+        </p:nvCxnSpPr>
+        <p:spPr>
+          <a:xfrm flipV="1">
+            <a:off x="2572986" y="2208810"/>
+            <a:ext cx="7125195" cy="95003"/>
+          </a:xfrm>
+          <a:prstGeom prst="line">
+            <a:avLst/>
+          </a:prstGeom>
+        </p:spPr>
+        <p:style>
+          <a:lnRef idx="1">
+            <a:schemeClr val="accent1"/>
+          </a:lnRef>
+          <a:fillRef idx="0">
+            <a:schemeClr val="accent1"/>
+          </a:fillRef>
+          <a:effectRef idx="0">
+            <a:schemeClr val="accent1"/>
+          </a:effectRef>
+          <a:fontRef idx="minor">
+            <a:schemeClr val="tx1"/>
+          </a:fontRef>
+        </p:style>
+      </p:cxnSp>
+      <p:sp>
+        <p:nvSpPr>
+          <p:cNvPr id="12" name="Fluxograma: Conector 11"/>
+          <p:cNvSpPr/>
+          <p:nvPr/>
+        </p:nvSpPr>
+        <p:spPr>
+          <a:xfrm>
+            <a:off x="3354776" y="3485408"/>
+            <a:ext cx="700644" cy="617516"/>
+          </a:xfrm>
+          <a:prstGeom prst="flowChartConnector">
+            <a:avLst/>
+          </a:prstGeom>
+        </p:spPr>
+        <p:style>
+          <a:lnRef idx="2">
+            <a:schemeClr val="accent1">
+              <a:shade val="50000"/>
+            </a:schemeClr>
+          </a:lnRef>
+          <a:fillRef idx="1">
+            <a:schemeClr val="accent1"/>
+          </a:fillRef>
+          <a:effectRef idx="0">
+            <a:schemeClr val="accent1"/>
+          </a:effectRef>
+          <a:fontRef idx="minor">
+            <a:schemeClr val="lt1"/>
+          </a:fontRef>
+        </p:style>
+        <p:txBody>
+          <a:bodyPr rtlCol="0" anchor="ctr"/>
+          <a:lstStyle/>
+          <a:p>
+            <a:pPr algn="ctr"/>
+            <a:endParaRPr lang="pt-BR"/>
+          </a:p>
+        </p:txBody>
+      </p:sp>
+      <p:sp>
+        <p:nvSpPr>
+          <p:cNvPr id="13" name="Fluxograma: Conector 12"/>
+          <p:cNvSpPr/>
+          <p:nvPr/>
+        </p:nvSpPr>
+        <p:spPr>
+          <a:xfrm>
+            <a:off x="4570019" y="3485408"/>
+            <a:ext cx="700644" cy="617516"/>
+          </a:xfrm>
+          <a:prstGeom prst="flowChartConnector">
+            <a:avLst/>
+          </a:prstGeom>
+        </p:spPr>
+        <p:style>
+          <a:lnRef idx="2">
+            <a:schemeClr val="accent1">
+              <a:shade val="50000"/>
+            </a:schemeClr>
+          </a:lnRef>
+          <a:fillRef idx="1">
+            <a:schemeClr val="accent1"/>
+          </a:fillRef>
+          <a:effectRef idx="0">
+            <a:schemeClr val="accent1"/>
+          </a:effectRef>
+          <a:fontRef idx="minor">
+            <a:schemeClr val="lt1"/>
+          </a:fontRef>
+        </p:style>
+        <p:txBody>
+          <a:bodyPr rtlCol="0" anchor="ctr"/>
+          <a:lstStyle/>
+          <a:p>
+            <a:pPr algn="ctr"/>
+            <a:endParaRPr lang="pt-BR"/>
+          </a:p>
+        </p:txBody>
+      </p:sp>
+      <p:sp>
+        <p:nvSpPr>
+          <p:cNvPr id="14" name="Fluxograma: Conector 13"/>
+          <p:cNvSpPr/>
+          <p:nvPr/>
+        </p:nvSpPr>
+        <p:spPr>
+          <a:xfrm>
+            <a:off x="6135584" y="3487387"/>
+            <a:ext cx="700644" cy="617516"/>
+          </a:xfrm>
+          <a:prstGeom prst="flowChartConnector">
+            <a:avLst/>
+          </a:prstGeom>
+        </p:spPr>
+        <p:style>
+          <a:lnRef idx="2">
+            <a:schemeClr val="accent1">
+              <a:shade val="50000"/>
+            </a:schemeClr>
+          </a:lnRef>
+          <a:fillRef idx="1">
+            <a:schemeClr val="accent1"/>
+          </a:fillRef>
+          <a:effectRef idx="0">
+            <a:schemeClr val="accent1"/>
+          </a:effectRef>
+          <a:fontRef idx="minor">
+            <a:schemeClr val="lt1"/>
+          </a:fontRef>
+        </p:style>
+        <p:txBody>
+          <a:bodyPr rtlCol="0" anchor="ctr"/>
+          <a:lstStyle/>
+          <a:p>
+            <a:pPr algn="ctr"/>
+            <a:endParaRPr lang="pt-BR"/>
+          </a:p>
+        </p:txBody>
+      </p:sp>
+      <p:sp>
+        <p:nvSpPr>
+          <p:cNvPr id="15" name="Fluxograma: Conector 14"/>
+          <p:cNvSpPr/>
+          <p:nvPr/>
+        </p:nvSpPr>
+        <p:spPr>
+          <a:xfrm>
+            <a:off x="7831775" y="3487387"/>
+            <a:ext cx="700644" cy="617516"/>
+          </a:xfrm>
+          <a:prstGeom prst="flowChartConnector">
+            <a:avLst/>
+          </a:prstGeom>
+        </p:spPr>
+        <p:style>
+          <a:lnRef idx="2">
+            <a:schemeClr val="accent1">
+              <a:shade val="50000"/>
+            </a:schemeClr>
+          </a:lnRef>
+          <a:fillRef idx="1">
+            <a:schemeClr val="accent1"/>
+          </a:fillRef>
+          <a:effectRef idx="0">
+            <a:schemeClr val="accent1"/>
+          </a:effectRef>
+          <a:fontRef idx="minor">
+            <a:schemeClr val="lt1"/>
+          </a:fontRef>
+        </p:style>
+        <p:txBody>
+          <a:bodyPr rtlCol="0" anchor="ctr"/>
+          <a:lstStyle/>
+          <a:p>
+            <a:pPr algn="ctr"/>
+            <a:endParaRPr lang="pt-BR"/>
+          </a:p>
+        </p:txBody>
+      </p:sp>
+      <p:cxnSp>
+        <p:nvCxnSpPr>
+          <p:cNvPr id="16" name="Conector reto 15"/>
+          <p:cNvCxnSpPr/>
+          <p:nvPr/>
+        </p:nvCxnSpPr>
+        <p:spPr>
+          <a:xfrm flipV="1">
+            <a:off x="2572986" y="3750622"/>
+            <a:ext cx="7125195" cy="95003"/>
+          </a:xfrm>
+          <a:prstGeom prst="line">
+            <a:avLst/>
+          </a:prstGeom>
+        </p:spPr>
+        <p:style>
+          <a:lnRef idx="1">
+            <a:schemeClr val="accent1"/>
+          </a:lnRef>
+          <a:fillRef idx="0">
+            <a:schemeClr val="accent1"/>
+          </a:fillRef>
+          <a:effectRef idx="0">
+            <a:schemeClr val="accent1"/>
+          </a:effectRef>
+          <a:fontRef idx="minor">
+            <a:schemeClr val="tx1"/>
+          </a:fontRef>
+        </p:style>
+      </p:cxnSp>
+    </p:spTree>
+    <p:extLst>
+      <p:ext uri="{BB962C8B-B14F-4D97-AF65-F5344CB8AC3E}">
+        <p14:creationId xmlns:p14="http://schemas.microsoft.com/office/powerpoint/2010/main" val="161259114"/>
+      </p:ext>
+    </p:extLst>
+  </p:cSld>
+  <p:clrMapOvr>
+    <a:masterClrMapping/>
+  </p:clrMapOvr>
+  <mc:AlternateContent xmlns:mc="http://schemas.openxmlformats.org/markup-compatibility/2006">
+    <mc:Choice xmlns:p14="http://schemas.microsoft.com/office/powerpoint/2010/main" Requires="p14">
+      <p:transition spd="slow" p14:dur="2000">
+        <p:cover/>
+      </p:transition>
+    </mc:Choice>
+    <mc:Fallback>
+      <p:transition spd="slow">
+        <p:cover/>
+      </p:transition>
+    </mc:Fallback>
+  </mc:AlternateContent>
+  <p:timing>
+    <p:tnLst>
+      <p:par>
+        <p:cTn id="1" dur="indefinite" restart="never" nodeType="tmRoot">
+          <p:childTnLst>
+            <p:seq concurrent="1" nextAc="seek">
+              <p:cTn id="2" dur="indefinite" nodeType="mainSeq">
+                <p:childTnLst>
+                  <p:par>
+                    <p:cTn id="3" fill="hold">
+                      <p:stCondLst>
+                        <p:cond delay="indefinite"/>
+                      </p:stCondLst>
+                      <p:childTnLst>
+                        <p:par>
+                          <p:cTn id="4" fill="hold">
+                            <p:stCondLst>
+                              <p:cond delay="0"/>
+                            </p:stCondLst>
+                            <p:childTnLst>
+                              <p:par>
+                                <p:cTn id="5" presetID="42" presetClass="path" presetSubtype="0" accel="50000" decel="50000" fill="hold" grpId="0" nodeType="clickEffect">
+                                  <p:stCondLst>
+                                    <p:cond delay="0"/>
+                                  </p:stCondLst>
+                                  <p:childTnLst>
+                                    <p:animMotion origin="layout" path="M 0 0 L 0 0.25 E" pathEditMode="relative" ptsTypes="">
+                                      <p:cBhvr>
+                                        <p:cTn id="6" dur="2000" fill="hold"/>
+                                        <p:tgtEl>
+                                          <p:spTgt spid="4"/>
+                                        </p:tgtEl>
+                                        <p:attrNameLst>
+                                          <p:attrName>ppt_x</p:attrName>
+                                          <p:attrName>ppt_y</p:attrName>
+                                        </p:attrNameLst>
+                                      </p:cBhvr>
+                                    </p:animMotion>
+                                  </p:childTnLst>
+                                </p:cTn>
+                              </p:par>
+                            </p:childTnLst>
+                          </p:cTn>
+                        </p:par>
+                      </p:childTnLst>
+                    </p:cTn>
+                  </p:par>
+                </p:childTnLst>
+              </p:cTn>
+              <p:prevCondLst>
+                <p:cond evt="onPrev" delay="0">
+                  <p:tgtEl>
+                    <p:sldTgt/>
+                  </p:tgtEl>
+                </p:cond>
+              </p:prevCondLst>
+              <p:nextCondLst>
+                <p:cond evt="onNext" delay="0">
+                  <p:tgtEl>
+                    <p:sldTgt/>
+                  </p:tgtEl>
+                </p:cond>
+              </p:nextCondLst>
+            </p:seq>
+          </p:childTnLst>
+        </p:cTn>
+      </p:par>
+    </p:tnLst>
+    <p:bldLst>
+      <p:bldP spid="4" grpId="0" animBg="1"/>
+    </p:bldLst>
+  </p:timing>
+</p:sld>
+</file>
+
 <file path=ppt/theme/theme1.xml><?xml version="1.0" encoding="utf-8"?>
 <a:theme xmlns:a="http://schemas.openxmlformats.org/drawingml/2006/main" name="Tema do Office">
   <a:themeElements>
